--- a/CompositeIterator/CompositeIteratorPattern.pptx
+++ b/CompositeIterator/CompositeIteratorPattern.pptx
@@ -5,7 +5,7 @@
     <p:sldMasterId id="2147483659" r:id="rId1"/>
   </p:sldMasterIdLst>
   <p:notesMasterIdLst>
-    <p:notesMasterId r:id="rId9"/>
+    <p:notesMasterId r:id="rId12"/>
   </p:notesMasterIdLst>
   <p:sldIdLst>
     <p:sldId id="256" r:id="rId2"/>
@@ -14,43 +14,46 @@
     <p:sldId id="261" r:id="rId5"/>
     <p:sldId id="262" r:id="rId6"/>
     <p:sldId id="259" r:id="rId7"/>
-    <p:sldId id="260" r:id="rId8"/>
+    <p:sldId id="264" r:id="rId8"/>
+    <p:sldId id="265" r:id="rId9"/>
+    <p:sldId id="266" r:id="rId10"/>
+    <p:sldId id="260" r:id="rId11"/>
   </p:sldIdLst>
   <p:sldSz cx="9144000" cy="5143500" type="screen16x9"/>
   <p:notesSz cx="6858000" cy="9144000"/>
   <p:embeddedFontLst>
     <p:embeddedFont>
       <p:font typeface="Calibri" panose="020F0502020204030204" pitchFamily="34" charset="0"/>
-      <p:regular r:id="rId10"/>
-      <p:bold r:id="rId11"/>
-      <p:italic r:id="rId12"/>
-      <p:boldItalic r:id="rId13"/>
+      <p:regular r:id="rId13"/>
+      <p:bold r:id="rId14"/>
+      <p:italic r:id="rId15"/>
+      <p:boldItalic r:id="rId16"/>
     </p:embeddedFont>
     <p:embeddedFont>
       <p:font typeface="Lato" panose="020F0502020204030203" pitchFamily="34" charset="0"/>
-      <p:regular r:id="rId14"/>
-      <p:bold r:id="rId15"/>
-      <p:italic r:id="rId16"/>
-      <p:boldItalic r:id="rId17"/>
+      <p:regular r:id="rId17"/>
+      <p:bold r:id="rId18"/>
+      <p:italic r:id="rId19"/>
+      <p:boldItalic r:id="rId20"/>
     </p:embeddedFont>
     <p:embeddedFont>
       <p:font typeface="Raleway" panose="020B0604020202020204" charset="0"/>
-      <p:regular r:id="rId18"/>
-      <p:bold r:id="rId19"/>
-      <p:italic r:id="rId20"/>
-      <p:boldItalic r:id="rId21"/>
+      <p:regular r:id="rId21"/>
+      <p:bold r:id="rId22"/>
+      <p:italic r:id="rId23"/>
+      <p:boldItalic r:id="rId24"/>
     </p:embeddedFont>
     <p:embeddedFont>
       <p:font typeface="Raleway ExtraBold" panose="020B0604020202020204" charset="0"/>
-      <p:bold r:id="rId22"/>
-      <p:boldItalic r:id="rId23"/>
+      <p:bold r:id="rId25"/>
+      <p:boldItalic r:id="rId26"/>
     </p:embeddedFont>
     <p:embeddedFont>
       <p:font typeface="Roboto" panose="020B0604020202020204" charset="0"/>
-      <p:regular r:id="rId24"/>
-      <p:bold r:id="rId25"/>
-      <p:italic r:id="rId26"/>
-      <p:boldItalic r:id="rId27"/>
+      <p:regular r:id="rId27"/>
+      <p:bold r:id="rId28"/>
+      <p:italic r:id="rId29"/>
+      <p:boldItalic r:id="rId30"/>
     </p:embeddedFont>
   </p:embeddedFontLst>
   <p:defaultTextStyle>
@@ -846,6 +849,110 @@
 </p:notes>
 </file>
 
+<file path=ppt/notesSlides/notesSlide10.xml><?xml version="1.0" encoding="utf-8"?>
+<p:notes xmlns:a="http://schemas.openxmlformats.org/drawingml/2006/main" xmlns:r="http://schemas.openxmlformats.org/officeDocument/2006/relationships" xmlns:p="http://schemas.openxmlformats.org/presentationml/2006/main" showMasterSp="0" showMasterPhAnim="0">
+  <p:cSld>
+    <p:spTree>
+      <p:nvGrpSpPr>
+        <p:cNvPr id="1" name="Shape 101"/>
+        <p:cNvGrpSpPr/>
+        <p:nvPr/>
+      </p:nvGrpSpPr>
+      <p:grpSpPr>
+        <a:xfrm>
+          <a:off x="0" y="0"/>
+          <a:ext cx="0" cy="0"/>
+          <a:chOff x="0" y="0"/>
+          <a:chExt cx="0" cy="0"/>
+        </a:xfrm>
+      </p:grpSpPr>
+      <p:sp>
+        <p:nvSpPr>
+          <p:cNvPr id="102" name="Google Shape;102;gc6fa3c898_0_70:notes"/>
+          <p:cNvSpPr>
+            <a:spLocks noGrp="1" noRot="1" noChangeAspect="1"/>
+          </p:cNvSpPr>
+          <p:nvPr>
+            <p:ph type="sldImg" idx="2"/>
+          </p:nvPr>
+        </p:nvSpPr>
+        <p:spPr>
+          <a:xfrm>
+            <a:off x="381000" y="685800"/>
+            <a:ext cx="6096000" cy="3429000"/>
+          </a:xfrm>
+          <a:custGeom>
+            <a:avLst/>
+            <a:gdLst/>
+            <a:ahLst/>
+            <a:cxnLst/>
+            <a:rect l="l" t="t" r="r" b="b"/>
+            <a:pathLst>
+              <a:path w="120000" h="120000" extrusionOk="0">
+                <a:moveTo>
+                  <a:pt x="0" y="0"/>
+                </a:moveTo>
+                <a:lnTo>
+                  <a:pt x="120000" y="0"/>
+                </a:lnTo>
+                <a:lnTo>
+                  <a:pt x="120000" y="120000"/>
+                </a:lnTo>
+                <a:lnTo>
+                  <a:pt x="0" y="120000"/>
+                </a:lnTo>
+                <a:close/>
+              </a:path>
+            </a:pathLst>
+          </a:custGeom>
+        </p:spPr>
+      </p:sp>
+      <p:sp>
+        <p:nvSpPr>
+          <p:cNvPr id="103" name="Google Shape;103;gc6fa3c898_0_70:notes"/>
+          <p:cNvSpPr txBox="1">
+            <a:spLocks noGrp="1"/>
+          </p:cNvSpPr>
+          <p:nvPr>
+            <p:ph type="body" idx="1"/>
+          </p:nvPr>
+        </p:nvSpPr>
+        <p:spPr>
+          <a:xfrm>
+            <a:off x="685800" y="4343400"/>
+            <a:ext cx="5486400" cy="4114800"/>
+          </a:xfrm>
+          <a:prstGeom prst="rect">
+            <a:avLst/>
+          </a:prstGeom>
+        </p:spPr>
+        <p:txBody>
+          <a:bodyPr spcFirstLastPara="1" wrap="square" lIns="91425" tIns="91425" rIns="91425" bIns="91425" anchor="t" anchorCtr="0">
+            <a:noAutofit/>
+          </a:bodyPr>
+          <a:lstStyle/>
+          <a:p>
+            <a:pPr marL="0" lvl="0" indent="0" algn="l" rtl="0">
+              <a:spcBef>
+                <a:spcPts val="0"/>
+              </a:spcBef>
+              <a:spcAft>
+                <a:spcPts val="0"/>
+              </a:spcAft>
+              <a:buNone/>
+            </a:pPr>
+            <a:endParaRPr/>
+          </a:p>
+        </p:txBody>
+      </p:sp>
+    </p:spTree>
+  </p:cSld>
+  <p:clrMapOvr>
+    <a:masterClrMapping/>
+  </p:clrMapOvr>
+</p:notes>
+</file>
+
 <file path=ppt/notesSlides/notesSlide2.xml><?xml version="1.0" encoding="utf-8"?>
 <p:notes xmlns:a="http://schemas.openxmlformats.org/drawingml/2006/main" xmlns:r="http://schemas.openxmlformats.org/officeDocument/2006/relationships" xmlns:p="http://schemas.openxmlformats.org/presentationml/2006/main" showMasterSp="0" showMasterPhAnim="0">
   <p:cSld>
@@ -1402,7 +1509,7 @@
   <p:cSld>
     <p:spTree>
       <p:nvGrpSpPr>
-        <p:cNvPr id="1" name="Shape 101"/>
+        <p:cNvPr id="1" name="Shape 80"/>
         <p:cNvGrpSpPr/>
         <p:nvPr/>
       </p:nvGrpSpPr>
@@ -1416,7 +1523,7 @@
       </p:grpSpPr>
       <p:sp>
         <p:nvSpPr>
-          <p:cNvPr id="102" name="Google Shape;102;gc6fa3c898_0_70:notes"/>
+          <p:cNvPr id="81" name="Google Shape;81;gc6fa3c898_0_10:notes"/>
           <p:cNvSpPr>
             <a:spLocks noGrp="1" noRot="1" noChangeAspect="1"/>
           </p:cNvSpPr>
@@ -1426,8 +1533,8 @@
         </p:nvSpPr>
         <p:spPr>
           <a:xfrm>
-            <a:off x="381000" y="685800"/>
-            <a:ext cx="6096000" cy="3429000"/>
+            <a:off x="381188" y="685800"/>
+            <a:ext cx="6096300" cy="3429000"/>
           </a:xfrm>
           <a:custGeom>
             <a:avLst/>
@@ -1457,7 +1564,7 @@
       </p:sp>
       <p:sp>
         <p:nvSpPr>
-          <p:cNvPr id="103" name="Google Shape;103;gc6fa3c898_0_70:notes"/>
+          <p:cNvPr id="82" name="Google Shape;82;gc6fa3c898_0_10:notes"/>
           <p:cNvSpPr txBox="1">
             <a:spLocks noGrp="1"/>
           </p:cNvSpPr>
@@ -1490,6 +1597,366 @@
               <a:buNone/>
             </a:pPr>
             <a:endParaRPr/>
+          </a:p>
+        </p:txBody>
+      </p:sp>
+    </p:spTree>
+  </p:cSld>
+  <p:clrMapOvr>
+    <a:masterClrMapping/>
+  </p:clrMapOvr>
+</p:notes>
+</file>
+
+<file path=ppt/notesSlides/notesSlide8.xml><?xml version="1.0" encoding="utf-8"?>
+<p:notes xmlns:a="http://schemas.openxmlformats.org/drawingml/2006/main" xmlns:r="http://schemas.openxmlformats.org/officeDocument/2006/relationships" xmlns:p="http://schemas.openxmlformats.org/presentationml/2006/main" showMasterSp="0" showMasterPhAnim="0">
+  <p:cSld>
+    <p:spTree>
+      <p:nvGrpSpPr>
+        <p:cNvPr id="1" name="Shape 86"/>
+        <p:cNvGrpSpPr/>
+        <p:nvPr/>
+      </p:nvGrpSpPr>
+      <p:grpSpPr>
+        <a:xfrm>
+          <a:off x="0" y="0"/>
+          <a:ext cx="0" cy="0"/>
+          <a:chOff x="0" y="0"/>
+          <a:chExt cx="0" cy="0"/>
+        </a:xfrm>
+      </p:grpSpPr>
+      <p:sp>
+        <p:nvSpPr>
+          <p:cNvPr id="87" name="Google Shape;87;gc6fa3c898_0_10:notes"/>
+          <p:cNvSpPr>
+            <a:spLocks noGrp="1" noRot="1" noChangeAspect="1"/>
+          </p:cNvSpPr>
+          <p:nvPr>
+            <p:ph type="sldImg" idx="2"/>
+          </p:nvPr>
+        </p:nvSpPr>
+        <p:spPr>
+          <a:xfrm>
+            <a:off x="381188" y="685800"/>
+            <a:ext cx="6096300" cy="3429000"/>
+          </a:xfrm>
+          <a:custGeom>
+            <a:avLst/>
+            <a:gdLst/>
+            <a:ahLst/>
+            <a:cxnLst/>
+            <a:rect l="l" t="t" r="r" b="b"/>
+            <a:pathLst>
+              <a:path w="120000" h="120000" extrusionOk="0">
+                <a:moveTo>
+                  <a:pt x="0" y="0"/>
+                </a:moveTo>
+                <a:lnTo>
+                  <a:pt x="120000" y="0"/>
+                </a:lnTo>
+                <a:lnTo>
+                  <a:pt x="120000" y="120000"/>
+                </a:lnTo>
+                <a:lnTo>
+                  <a:pt x="0" y="120000"/>
+                </a:lnTo>
+                <a:close/>
+              </a:path>
+            </a:pathLst>
+          </a:custGeom>
+        </p:spPr>
+      </p:sp>
+      <p:sp>
+        <p:nvSpPr>
+          <p:cNvPr id="88" name="Google Shape;88;gc6fa3c898_0_10:notes"/>
+          <p:cNvSpPr txBox="1">
+            <a:spLocks noGrp="1"/>
+          </p:cNvSpPr>
+          <p:nvPr>
+            <p:ph type="body" idx="1"/>
+          </p:nvPr>
+        </p:nvSpPr>
+        <p:spPr>
+          <a:xfrm>
+            <a:off x="685800" y="4343400"/>
+            <a:ext cx="5486400" cy="4114800"/>
+          </a:xfrm>
+          <a:prstGeom prst="rect">
+            <a:avLst/>
+          </a:prstGeom>
+        </p:spPr>
+        <p:txBody>
+          <a:bodyPr spcFirstLastPara="1" wrap="square" lIns="91425" tIns="91425" rIns="91425" bIns="91425" anchor="t" anchorCtr="0">
+            <a:noAutofit/>
+          </a:bodyPr>
+          <a:lstStyle/>
+          <a:p>
+            <a:pPr marL="0" lvl="0" indent="0" algn="l" rtl="0">
+              <a:spcBef>
+                <a:spcPts val="0"/>
+              </a:spcBef>
+              <a:spcAft>
+                <a:spcPts val="0"/>
+              </a:spcAft>
+              <a:buNone/>
+            </a:pPr>
+            <a:r>
+              <a:rPr lang="en"/>
+              <a:t>Strategy is a Behavioural design pattern</a:t>
+            </a:r>
+            <a:br>
+              <a:rPr lang="en"/>
+            </a:br>
+            <a:r>
+              <a:rPr lang="en" b="1">
+                <a:solidFill>
+                  <a:srgbClr val="0904A6"/>
+                </a:solidFill>
+                <a:highlight>
+                  <a:srgbClr val="DEE8EC"/>
+                </a:highlight>
+              </a:rPr>
+              <a:t>Iterator</a:t>
+            </a:r>
+            <a:br>
+              <a:rPr lang="en" b="1">
+                <a:solidFill>
+                  <a:srgbClr val="0904A6"/>
+                </a:solidFill>
+                <a:highlight>
+                  <a:srgbClr val="DEE8EC"/>
+                </a:highlight>
+              </a:rPr>
+            </a:br>
+            <a:r>
+              <a:rPr lang="en" b="1">
+                <a:solidFill>
+                  <a:srgbClr val="0904A6"/>
+                </a:solidFill>
+                <a:highlight>
+                  <a:srgbClr val="DEE8EC"/>
+                </a:highlight>
+              </a:rPr>
+              <a:t>Template Method</a:t>
+            </a:r>
+            <a:endParaRPr b="1">
+              <a:solidFill>
+                <a:srgbClr val="0904A6"/>
+              </a:solidFill>
+              <a:highlight>
+                <a:srgbClr val="DEE8EC"/>
+              </a:highlight>
+            </a:endParaRPr>
+          </a:p>
+          <a:p>
+            <a:pPr marL="0" lvl="0" indent="0" algn="l" rtl="0">
+              <a:spcBef>
+                <a:spcPts val="0"/>
+              </a:spcBef>
+              <a:spcAft>
+                <a:spcPts val="0"/>
+              </a:spcAft>
+              <a:buNone/>
+            </a:pPr>
+            <a:r>
+              <a:rPr lang="en" b="1">
+                <a:solidFill>
+                  <a:srgbClr val="0904A6"/>
+                </a:solidFill>
+                <a:highlight>
+                  <a:srgbClr val="DEE8EC"/>
+                </a:highlight>
+              </a:rPr>
+              <a:t>Observer</a:t>
+            </a:r>
+            <a:endParaRPr b="1">
+              <a:solidFill>
+                <a:srgbClr val="0904A6"/>
+              </a:solidFill>
+              <a:highlight>
+                <a:srgbClr val="DEE8EC"/>
+              </a:highlight>
+            </a:endParaRPr>
+          </a:p>
+        </p:txBody>
+      </p:sp>
+    </p:spTree>
+  </p:cSld>
+  <p:clrMapOvr>
+    <a:masterClrMapping/>
+  </p:clrMapOvr>
+</p:notes>
+</file>
+
+<file path=ppt/notesSlides/notesSlide9.xml><?xml version="1.0" encoding="utf-8"?>
+<p:notes xmlns:a="http://schemas.openxmlformats.org/drawingml/2006/main" xmlns:r="http://schemas.openxmlformats.org/officeDocument/2006/relationships" xmlns:p="http://schemas.openxmlformats.org/presentationml/2006/main" showMasterSp="0" showMasterPhAnim="0">
+  <p:cSld>
+    <p:spTree>
+      <p:nvGrpSpPr>
+        <p:cNvPr id="1" name="Shape 86"/>
+        <p:cNvGrpSpPr/>
+        <p:nvPr/>
+      </p:nvGrpSpPr>
+      <p:grpSpPr>
+        <a:xfrm>
+          <a:off x="0" y="0"/>
+          <a:ext cx="0" cy="0"/>
+          <a:chOff x="0" y="0"/>
+          <a:chExt cx="0" cy="0"/>
+        </a:xfrm>
+      </p:grpSpPr>
+      <p:sp>
+        <p:nvSpPr>
+          <p:cNvPr id="87" name="Google Shape;87;gc6fa3c898_0_10:notes"/>
+          <p:cNvSpPr>
+            <a:spLocks noGrp="1" noRot="1" noChangeAspect="1"/>
+          </p:cNvSpPr>
+          <p:nvPr>
+            <p:ph type="sldImg" idx="2"/>
+          </p:nvPr>
+        </p:nvSpPr>
+        <p:spPr>
+          <a:xfrm>
+            <a:off x="381188" y="685800"/>
+            <a:ext cx="6096300" cy="3429000"/>
+          </a:xfrm>
+          <a:custGeom>
+            <a:avLst/>
+            <a:gdLst/>
+            <a:ahLst/>
+            <a:cxnLst/>
+            <a:rect l="l" t="t" r="r" b="b"/>
+            <a:pathLst>
+              <a:path w="120000" h="120000" extrusionOk="0">
+                <a:moveTo>
+                  <a:pt x="0" y="0"/>
+                </a:moveTo>
+                <a:lnTo>
+                  <a:pt x="120000" y="0"/>
+                </a:lnTo>
+                <a:lnTo>
+                  <a:pt x="120000" y="120000"/>
+                </a:lnTo>
+                <a:lnTo>
+                  <a:pt x="0" y="120000"/>
+                </a:lnTo>
+                <a:close/>
+              </a:path>
+            </a:pathLst>
+          </a:custGeom>
+        </p:spPr>
+      </p:sp>
+      <p:sp>
+        <p:nvSpPr>
+          <p:cNvPr id="88" name="Google Shape;88;gc6fa3c898_0_10:notes"/>
+          <p:cNvSpPr txBox="1">
+            <a:spLocks noGrp="1"/>
+          </p:cNvSpPr>
+          <p:nvPr>
+            <p:ph type="body" idx="1"/>
+          </p:nvPr>
+        </p:nvSpPr>
+        <p:spPr>
+          <a:xfrm>
+            <a:off x="685800" y="4343400"/>
+            <a:ext cx="5486400" cy="4114800"/>
+          </a:xfrm>
+          <a:prstGeom prst="rect">
+            <a:avLst/>
+          </a:prstGeom>
+        </p:spPr>
+        <p:txBody>
+          <a:bodyPr spcFirstLastPara="1" wrap="square" lIns="91425" tIns="91425" rIns="91425" bIns="91425" anchor="t" anchorCtr="0">
+            <a:noAutofit/>
+          </a:bodyPr>
+          <a:lstStyle/>
+          <a:p>
+            <a:pPr marL="0" lvl="0" indent="0" algn="l" rtl="0">
+              <a:spcBef>
+                <a:spcPts val="0"/>
+              </a:spcBef>
+              <a:spcAft>
+                <a:spcPts val="0"/>
+              </a:spcAft>
+              <a:buNone/>
+            </a:pPr>
+            <a:r>
+              <a:rPr lang="en"/>
+              <a:t>Strategy is a Behavioural design pattern</a:t>
+            </a:r>
+            <a:br>
+              <a:rPr lang="en"/>
+            </a:br>
+            <a:r>
+              <a:rPr lang="en" b="1">
+                <a:solidFill>
+                  <a:srgbClr val="0904A6"/>
+                </a:solidFill>
+                <a:highlight>
+                  <a:srgbClr val="DEE8EC"/>
+                </a:highlight>
+              </a:rPr>
+              <a:t>Iterator</a:t>
+            </a:r>
+            <a:br>
+              <a:rPr lang="en" b="1">
+                <a:solidFill>
+                  <a:srgbClr val="0904A6"/>
+                </a:solidFill>
+                <a:highlight>
+                  <a:srgbClr val="DEE8EC"/>
+                </a:highlight>
+              </a:rPr>
+            </a:br>
+            <a:r>
+              <a:rPr lang="en" b="1">
+                <a:solidFill>
+                  <a:srgbClr val="0904A6"/>
+                </a:solidFill>
+                <a:highlight>
+                  <a:srgbClr val="DEE8EC"/>
+                </a:highlight>
+              </a:rPr>
+              <a:t>Template Method</a:t>
+            </a:r>
+            <a:endParaRPr b="1">
+              <a:solidFill>
+                <a:srgbClr val="0904A6"/>
+              </a:solidFill>
+              <a:highlight>
+                <a:srgbClr val="DEE8EC"/>
+              </a:highlight>
+            </a:endParaRPr>
+          </a:p>
+          <a:p>
+            <a:pPr marL="0" lvl="0" indent="0" algn="l" rtl="0">
+              <a:spcBef>
+                <a:spcPts val="0"/>
+              </a:spcBef>
+              <a:spcAft>
+                <a:spcPts val="0"/>
+              </a:spcAft>
+              <a:buNone/>
+            </a:pPr>
+            <a:r>
+              <a:rPr lang="en" b="1">
+                <a:solidFill>
+                  <a:srgbClr val="0904A6"/>
+                </a:solidFill>
+                <a:highlight>
+                  <a:srgbClr val="DEE8EC"/>
+                </a:highlight>
+              </a:rPr>
+              <a:t>Observer</a:t>
+            </a:r>
+            <a:endParaRPr b="1">
+              <a:solidFill>
+                <a:srgbClr val="0904A6"/>
+              </a:solidFill>
+              <a:highlight>
+                <a:srgbClr val="DEE8EC"/>
+              </a:highlight>
+            </a:endParaRPr>
           </a:p>
         </p:txBody>
       </p:sp>
@@ -7790,19 +8257,7 @@
                 <a:cs typeface="Raleway ExtraBold"/>
                 <a:sym typeface="Raleway ExtraBold"/>
               </a:rPr>
-              <a:t>Composite </a:t>
-            </a:r>
-            <a:r>
-              <a:rPr lang="en" sz="2400" dirty="0">
-                <a:solidFill>
-                  <a:srgbClr val="000000"/>
-                </a:solidFill>
-                <a:latin typeface="Raleway ExtraBold"/>
-                <a:ea typeface="Raleway ExtraBold"/>
-                <a:cs typeface="Raleway ExtraBold"/>
-                <a:sym typeface="Raleway ExtraBold"/>
-              </a:rPr>
-              <a:t>Pattern</a:t>
+              <a:t>Composite with Iterator and Recap</a:t>
             </a:r>
             <a:endParaRPr sz="2400" dirty="0">
               <a:solidFill>
@@ -7843,6 +8298,506 @@
           </a:ln>
         </p:spPr>
       </p:pic>
+    </p:spTree>
+  </p:cSld>
+  <p:clrMapOvr>
+    <a:masterClrMapping/>
+  </p:clrMapOvr>
+</p:sld>
+</file>
+
+<file path=ppt/slides/slide10.xml><?xml version="1.0" encoding="utf-8"?>
+<p:sld xmlns:a="http://schemas.openxmlformats.org/drawingml/2006/main" xmlns:r="http://schemas.openxmlformats.org/officeDocument/2006/relationships" xmlns:p="http://schemas.openxmlformats.org/presentationml/2006/main">
+  <p:cSld>
+    <p:spTree>
+      <p:nvGrpSpPr>
+        <p:cNvPr id="1" name="Shape 104"/>
+        <p:cNvGrpSpPr/>
+        <p:nvPr/>
+      </p:nvGrpSpPr>
+      <p:grpSpPr>
+        <a:xfrm>
+          <a:off x="0" y="0"/>
+          <a:ext cx="0" cy="0"/>
+          <a:chOff x="0" y="0"/>
+          <a:chExt cx="0" cy="0"/>
+        </a:xfrm>
+      </p:grpSpPr>
+      <p:sp>
+        <p:nvSpPr>
+          <p:cNvPr id="105" name="Google Shape;105;p17"/>
+          <p:cNvSpPr/>
+          <p:nvPr/>
+        </p:nvSpPr>
+        <p:spPr>
+          <a:xfrm>
+            <a:off x="4572000" y="0"/>
+            <a:ext cx="4572000" cy="5143500"/>
+          </a:xfrm>
+          <a:prstGeom prst="rect">
+            <a:avLst/>
+          </a:prstGeom>
+          <a:solidFill>
+            <a:srgbClr val="85B042"/>
+          </a:solidFill>
+          <a:ln>
+            <a:noFill/>
+          </a:ln>
+        </p:spPr>
+        <p:txBody>
+          <a:bodyPr spcFirstLastPara="1" wrap="square" lIns="91425" tIns="45700" rIns="91425" bIns="45700" anchor="ctr" anchorCtr="0">
+            <a:noAutofit/>
+          </a:bodyPr>
+          <a:lstStyle/>
+          <a:p>
+            <a:pPr marL="0" marR="0" lvl="0" indent="0" algn="ctr" rtl="0">
+              <a:lnSpc>
+                <a:spcPct val="100000"/>
+              </a:lnSpc>
+              <a:spcBef>
+                <a:spcPts val="0"/>
+              </a:spcBef>
+              <a:spcAft>
+                <a:spcPts val="0"/>
+              </a:spcAft>
+              <a:buClr>
+                <a:srgbClr val="000000"/>
+              </a:buClr>
+              <a:buSzPts val="1800"/>
+              <a:buFont typeface="Arial"/>
+              <a:buNone/>
+            </a:pPr>
+            <a:endParaRPr sz="1800" b="0" i="0" u="none" strike="noStrike" cap="none">
+              <a:solidFill>
+                <a:srgbClr val="FFFFFF"/>
+              </a:solidFill>
+              <a:latin typeface="Calibri"/>
+              <a:ea typeface="Calibri"/>
+              <a:cs typeface="Calibri"/>
+              <a:sym typeface="Calibri"/>
+            </a:endParaRPr>
+          </a:p>
+        </p:txBody>
+      </p:sp>
+      <p:sp>
+        <p:nvSpPr>
+          <p:cNvPr id="106" name="Google Shape;106;p17"/>
+          <p:cNvSpPr txBox="1">
+            <a:spLocks noGrp="1"/>
+          </p:cNvSpPr>
+          <p:nvPr>
+            <p:ph type="title"/>
+          </p:nvPr>
+        </p:nvSpPr>
+        <p:spPr>
+          <a:xfrm>
+            <a:off x="265500" y="1912650"/>
+            <a:ext cx="4045200" cy="1318200"/>
+          </a:xfrm>
+          <a:prstGeom prst="rect">
+            <a:avLst/>
+          </a:prstGeom>
+        </p:spPr>
+        <p:txBody>
+          <a:bodyPr spcFirstLastPara="1" wrap="square" lIns="91425" tIns="91425" rIns="91425" bIns="91425" anchor="ctr" anchorCtr="0">
+            <a:noAutofit/>
+          </a:bodyPr>
+          <a:lstStyle/>
+          <a:p>
+            <a:pPr marL="0" lvl="0" indent="0" algn="ctr" rtl="0">
+              <a:spcBef>
+                <a:spcPts val="0"/>
+              </a:spcBef>
+              <a:spcAft>
+                <a:spcPts val="0"/>
+              </a:spcAft>
+              <a:buNone/>
+            </a:pPr>
+            <a:r>
+              <a:rPr lang="en">
+                <a:solidFill>
+                  <a:srgbClr val="85B042"/>
+                </a:solidFill>
+              </a:rPr>
+              <a:t>Next Session</a:t>
+            </a:r>
+            <a:endParaRPr>
+              <a:solidFill>
+                <a:srgbClr val="85B042"/>
+              </a:solidFill>
+            </a:endParaRPr>
+          </a:p>
+        </p:txBody>
+      </p:sp>
+      <p:sp>
+        <p:nvSpPr>
+          <p:cNvPr id="107" name="Google Shape;107;p17"/>
+          <p:cNvSpPr txBox="1">
+            <a:spLocks noGrp="1"/>
+          </p:cNvSpPr>
+          <p:nvPr>
+            <p:ph type="body" idx="2"/>
+          </p:nvPr>
+        </p:nvSpPr>
+        <p:spPr>
+          <a:xfrm>
+            <a:off x="4939500" y="724200"/>
+            <a:ext cx="3837000" cy="3695100"/>
+          </a:xfrm>
+          <a:prstGeom prst="rect">
+            <a:avLst/>
+          </a:prstGeom>
+        </p:spPr>
+        <p:txBody>
+          <a:bodyPr spcFirstLastPara="1" wrap="square" lIns="91425" tIns="91425" rIns="91425" bIns="91425" anchor="ctr" anchorCtr="0">
+            <a:noAutofit/>
+          </a:bodyPr>
+          <a:lstStyle/>
+          <a:p>
+            <a:pPr lvl="0" indent="0">
+              <a:spcAft>
+                <a:spcPts val="1600"/>
+              </a:spcAft>
+              <a:buNone/>
+            </a:pPr>
+            <a:r>
+              <a:rPr lang="en" dirty="0"/>
+              <a:t>Let’s talk about…</a:t>
+            </a:r>
+            <a:br>
+              <a:rPr lang="en" dirty="0"/>
+            </a:br>
+            <a:r>
+              <a:rPr lang="en-GB" dirty="0"/>
+              <a:t>Template Method Pattern</a:t>
+            </a:r>
+            <a:endParaRPr dirty="0"/>
+          </a:p>
+        </p:txBody>
+      </p:sp>
+      <p:sp>
+        <p:nvSpPr>
+          <p:cNvPr id="108" name="Google Shape;108;p17"/>
+          <p:cNvSpPr txBox="1"/>
+          <p:nvPr/>
+        </p:nvSpPr>
+        <p:spPr>
+          <a:xfrm>
+            <a:off x="5372900" y="2967700"/>
+            <a:ext cx="4262700" cy="497400"/>
+          </a:xfrm>
+          <a:prstGeom prst="rect">
+            <a:avLst/>
+          </a:prstGeom>
+          <a:noFill/>
+          <a:ln>
+            <a:noFill/>
+          </a:ln>
+        </p:spPr>
+        <p:txBody>
+          <a:bodyPr spcFirstLastPara="1" wrap="square" lIns="91425" tIns="91425" rIns="91425" bIns="91425" anchor="t" anchorCtr="0">
+            <a:noAutofit/>
+          </a:bodyPr>
+          <a:lstStyle/>
+          <a:p>
+            <a:pPr lvl="0"/>
+            <a:r>
+              <a:rPr lang="en-GB" sz="1000" dirty="0">
+                <a:solidFill>
+                  <a:schemeClr val="lt1"/>
+                </a:solidFill>
+                <a:latin typeface="Courier New"/>
+                <a:ea typeface="Courier New"/>
+                <a:cs typeface="Courier New"/>
+                <a:sym typeface="Courier New"/>
+              </a:rPr>
+              <a:t>abstract class </a:t>
+            </a:r>
+            <a:r>
+              <a:rPr lang="en-GB" sz="1000" dirty="0" err="1">
+                <a:solidFill>
+                  <a:schemeClr val="lt1"/>
+                </a:solidFill>
+                <a:latin typeface="Courier New"/>
+                <a:ea typeface="Courier New"/>
+                <a:cs typeface="Courier New"/>
+                <a:sym typeface="Courier New"/>
+              </a:rPr>
+              <a:t>PatternsStudyGroup</a:t>
+            </a:r>
+            <a:endParaRPr lang="en-GB" sz="1000" dirty="0">
+              <a:solidFill>
+                <a:schemeClr val="lt1"/>
+              </a:solidFill>
+              <a:latin typeface="Courier New"/>
+              <a:ea typeface="Courier New"/>
+              <a:cs typeface="Courier New"/>
+              <a:sym typeface="Courier New"/>
+            </a:endParaRPr>
+          </a:p>
+          <a:p>
+            <a:pPr lvl="0"/>
+            <a:r>
+              <a:rPr lang="en-GB" sz="1000" dirty="0">
+                <a:solidFill>
+                  <a:schemeClr val="lt1"/>
+                </a:solidFill>
+                <a:latin typeface="Courier New"/>
+                <a:ea typeface="Courier New"/>
+                <a:cs typeface="Courier New"/>
+                <a:sym typeface="Courier New"/>
+              </a:rPr>
+              <a:t>{</a:t>
+            </a:r>
+          </a:p>
+          <a:p>
+            <a:pPr lvl="0"/>
+            <a:r>
+              <a:rPr lang="en-GB" sz="1000" dirty="0">
+                <a:solidFill>
+                  <a:schemeClr val="lt1"/>
+                </a:solidFill>
+                <a:latin typeface="Courier New"/>
+                <a:ea typeface="Courier New"/>
+                <a:cs typeface="Courier New"/>
+                <a:sym typeface="Courier New"/>
+              </a:rPr>
+              <a:t>    protected void Run()</a:t>
+            </a:r>
+          </a:p>
+          <a:p>
+            <a:pPr lvl="0"/>
+            <a:r>
+              <a:rPr lang="en-GB" sz="1000" dirty="0">
+                <a:solidFill>
+                  <a:schemeClr val="lt1"/>
+                </a:solidFill>
+                <a:latin typeface="Courier New"/>
+                <a:ea typeface="Courier New"/>
+                <a:cs typeface="Courier New"/>
+                <a:sym typeface="Courier New"/>
+              </a:rPr>
+              <a:t>    {</a:t>
+            </a:r>
+          </a:p>
+          <a:p>
+            <a:pPr lvl="0"/>
+            <a:r>
+              <a:rPr lang="en-GB" sz="1000" dirty="0">
+                <a:solidFill>
+                  <a:schemeClr val="lt1"/>
+                </a:solidFill>
+                <a:latin typeface="Courier New"/>
+                <a:ea typeface="Courier New"/>
+                <a:cs typeface="Courier New"/>
+                <a:sym typeface="Courier New"/>
+              </a:rPr>
+              <a:t>       Introduction();</a:t>
+            </a:r>
+          </a:p>
+          <a:p>
+            <a:pPr lvl="0"/>
+            <a:r>
+              <a:rPr lang="en-GB" sz="1000" dirty="0">
+                <a:solidFill>
+                  <a:schemeClr val="lt1"/>
+                </a:solidFill>
+                <a:latin typeface="Courier New"/>
+                <a:ea typeface="Courier New"/>
+                <a:cs typeface="Courier New"/>
+                <a:sym typeface="Courier New"/>
+              </a:rPr>
+              <a:t>       </a:t>
+            </a:r>
+            <a:r>
+              <a:rPr lang="en-GB" sz="1000" dirty="0" err="1">
+                <a:solidFill>
+                  <a:schemeClr val="lt1"/>
+                </a:solidFill>
+                <a:latin typeface="Courier New"/>
+                <a:ea typeface="Courier New"/>
+                <a:cs typeface="Courier New"/>
+                <a:sym typeface="Courier New"/>
+              </a:rPr>
+              <a:t>HandsOnCode</a:t>
+            </a:r>
+            <a:r>
+              <a:rPr lang="en-GB" sz="1000" dirty="0">
+                <a:solidFill>
+                  <a:schemeClr val="lt1"/>
+                </a:solidFill>
+                <a:latin typeface="Courier New"/>
+                <a:ea typeface="Courier New"/>
+                <a:cs typeface="Courier New"/>
+                <a:sym typeface="Courier New"/>
+              </a:rPr>
+              <a:t>();</a:t>
+            </a:r>
+          </a:p>
+          <a:p>
+            <a:pPr lvl="0"/>
+            <a:r>
+              <a:rPr lang="en-GB" sz="1000" dirty="0">
+                <a:solidFill>
+                  <a:schemeClr val="lt1"/>
+                </a:solidFill>
+                <a:latin typeface="Courier New"/>
+                <a:ea typeface="Courier New"/>
+                <a:cs typeface="Courier New"/>
+                <a:sym typeface="Courier New"/>
+              </a:rPr>
+              <a:t>       </a:t>
+            </a:r>
+            <a:r>
+              <a:rPr lang="en-GB" sz="1000" dirty="0" err="1">
+                <a:solidFill>
+                  <a:schemeClr val="lt1"/>
+                </a:solidFill>
+                <a:latin typeface="Courier New"/>
+                <a:ea typeface="Courier New"/>
+                <a:cs typeface="Courier New"/>
+                <a:sym typeface="Courier New"/>
+              </a:rPr>
+              <a:t>ReviewAndQuestions</a:t>
+            </a:r>
+            <a:r>
+              <a:rPr lang="en-GB" sz="1000" dirty="0">
+                <a:solidFill>
+                  <a:schemeClr val="lt1"/>
+                </a:solidFill>
+                <a:latin typeface="Courier New"/>
+                <a:ea typeface="Courier New"/>
+                <a:cs typeface="Courier New"/>
+                <a:sym typeface="Courier New"/>
+              </a:rPr>
+              <a:t>();</a:t>
+            </a:r>
+          </a:p>
+          <a:p>
+            <a:pPr lvl="0"/>
+            <a:r>
+              <a:rPr lang="en-GB" sz="1000" dirty="0">
+                <a:solidFill>
+                  <a:schemeClr val="lt1"/>
+                </a:solidFill>
+                <a:latin typeface="Courier New"/>
+                <a:ea typeface="Courier New"/>
+                <a:cs typeface="Courier New"/>
+                <a:sym typeface="Courier New"/>
+              </a:rPr>
+              <a:t>    }</a:t>
+            </a:r>
+          </a:p>
+          <a:p>
+            <a:pPr lvl="0"/>
+            <a:r>
+              <a:rPr lang="en-GB" sz="1000" dirty="0">
+                <a:solidFill>
+                  <a:schemeClr val="lt1"/>
+                </a:solidFill>
+                <a:latin typeface="Courier New"/>
+                <a:ea typeface="Courier New"/>
+                <a:cs typeface="Courier New"/>
+                <a:sym typeface="Courier New"/>
+              </a:rPr>
+              <a:t>    abstract void Introduction() {}</a:t>
+            </a:r>
+          </a:p>
+          <a:p>
+            <a:pPr lvl="0"/>
+            <a:r>
+              <a:rPr lang="en-GB" sz="1000" dirty="0">
+                <a:solidFill>
+                  <a:schemeClr val="lt1"/>
+                </a:solidFill>
+                <a:latin typeface="Courier New"/>
+                <a:ea typeface="Courier New"/>
+                <a:cs typeface="Courier New"/>
+                <a:sym typeface="Courier New"/>
+              </a:rPr>
+              <a:t>    abstract void </a:t>
+            </a:r>
+            <a:r>
+              <a:rPr lang="en-GB" sz="1000" dirty="0" err="1">
+                <a:solidFill>
+                  <a:schemeClr val="lt1"/>
+                </a:solidFill>
+                <a:latin typeface="Courier New"/>
+                <a:ea typeface="Courier New"/>
+                <a:cs typeface="Courier New"/>
+                <a:sym typeface="Courier New"/>
+              </a:rPr>
+              <a:t>HandsOnCode</a:t>
+            </a:r>
+            <a:r>
+              <a:rPr lang="en-GB" sz="1000" dirty="0">
+                <a:solidFill>
+                  <a:schemeClr val="lt1"/>
+                </a:solidFill>
+                <a:latin typeface="Courier New"/>
+                <a:ea typeface="Courier New"/>
+                <a:cs typeface="Courier New"/>
+                <a:sym typeface="Courier New"/>
+              </a:rPr>
+              <a:t>() {}</a:t>
+            </a:r>
+          </a:p>
+          <a:p>
+            <a:pPr lvl="0"/>
+            <a:r>
+              <a:rPr lang="en-GB" sz="1000" dirty="0">
+                <a:solidFill>
+                  <a:schemeClr val="lt1"/>
+                </a:solidFill>
+                <a:latin typeface="Courier New"/>
+                <a:ea typeface="Courier New"/>
+                <a:cs typeface="Courier New"/>
+                <a:sym typeface="Courier New"/>
+              </a:rPr>
+              <a:t>    abstract void </a:t>
+            </a:r>
+            <a:r>
+              <a:rPr lang="en-GB" sz="1000" dirty="0" err="1">
+                <a:solidFill>
+                  <a:schemeClr val="lt1"/>
+                </a:solidFill>
+                <a:latin typeface="Courier New"/>
+                <a:ea typeface="Courier New"/>
+                <a:cs typeface="Courier New"/>
+                <a:sym typeface="Courier New"/>
+              </a:rPr>
+              <a:t>ReviewAndQuestions</a:t>
+            </a:r>
+            <a:r>
+              <a:rPr lang="en-GB" sz="1000" dirty="0">
+                <a:solidFill>
+                  <a:schemeClr val="lt1"/>
+                </a:solidFill>
+                <a:latin typeface="Courier New"/>
+                <a:ea typeface="Courier New"/>
+                <a:cs typeface="Courier New"/>
+                <a:sym typeface="Courier New"/>
+              </a:rPr>
+              <a:t>() {}</a:t>
+            </a:r>
+          </a:p>
+          <a:p>
+            <a:pPr lvl="0"/>
+            <a:r>
+              <a:rPr lang="en-GB" sz="1000" dirty="0">
+                <a:solidFill>
+                  <a:schemeClr val="lt1"/>
+                </a:solidFill>
+                <a:latin typeface="Courier New"/>
+                <a:ea typeface="Courier New"/>
+                <a:cs typeface="Courier New"/>
+                <a:sym typeface="Courier New"/>
+              </a:rPr>
+              <a:t>}</a:t>
+            </a:r>
+          </a:p>
+        </p:txBody>
+      </p:sp>
     </p:spTree>
   </p:cSld>
   <p:clrMapOvr>
@@ -9136,25 +10091,14 @@
           </a:bodyPr>
           <a:lstStyle/>
           <a:p>
-            <a:pPr marL="0" lvl="0" indent="0" algn="l" rtl="0">
-              <a:spcBef>
-                <a:spcPts val="0"/>
-              </a:spcBef>
-              <a:spcAft>
-                <a:spcPts val="0"/>
-              </a:spcAft>
-              <a:buNone/>
-            </a:pPr>
+            <a:pPr lvl="0"/>
             <a:r>
-              <a:rPr lang="en" sz="1100" u="sng" dirty="0">
-                <a:solidFill>
-                  <a:schemeClr val="hlink"/>
-                </a:solidFill>
+              <a:rPr lang="en-GB" sz="1100" dirty="0">
                 <a:hlinkClick r:id="rId3"/>
               </a:rPr>
-              <a:t>https://github.com/ronheywood/patternsgroup-decorator</a:t>
+              <a:t>https://dev.azure.com/spektrix/spektrix/_git/patterns-study-group?path=%2FCompositeIterator&amp;version=GBmaster</a:t>
             </a:r>
-            <a:endParaRPr dirty="0"/>
+            <a:endParaRPr sz="1100" dirty="0"/>
           </a:p>
         </p:txBody>
       </p:sp>
@@ -9201,7 +10145,7 @@
   <p:cSld>
     <p:spTree>
       <p:nvGrpSpPr>
-        <p:cNvPr id="1" name="Shape 104"/>
+        <p:cNvPr id="1" name="Shape 83"/>
         <p:cNvGrpSpPr/>
         <p:nvPr/>
       </p:nvGrpSpPr>
@@ -9215,63 +10159,7 @@
       </p:grpSpPr>
       <p:sp>
         <p:nvSpPr>
-          <p:cNvPr id="105" name="Google Shape;105;p17"/>
-          <p:cNvSpPr/>
-          <p:nvPr/>
-        </p:nvSpPr>
-        <p:spPr>
-          <a:xfrm>
-            <a:off x="4572000" y="0"/>
-            <a:ext cx="4572000" cy="5143500"/>
-          </a:xfrm>
-          <a:prstGeom prst="rect">
-            <a:avLst/>
-          </a:prstGeom>
-          <a:solidFill>
-            <a:srgbClr val="85B042"/>
-          </a:solidFill>
-          <a:ln>
-            <a:noFill/>
-          </a:ln>
-        </p:spPr>
-        <p:txBody>
-          <a:bodyPr spcFirstLastPara="1" wrap="square" lIns="91425" tIns="45700" rIns="91425" bIns="45700" anchor="ctr" anchorCtr="0">
-            <a:noAutofit/>
-          </a:bodyPr>
-          <a:lstStyle/>
-          <a:p>
-            <a:pPr marL="0" marR="0" lvl="0" indent="0" algn="ctr" rtl="0">
-              <a:lnSpc>
-                <a:spcPct val="100000"/>
-              </a:lnSpc>
-              <a:spcBef>
-                <a:spcPts val="0"/>
-              </a:spcBef>
-              <a:spcAft>
-                <a:spcPts val="0"/>
-              </a:spcAft>
-              <a:buClr>
-                <a:srgbClr val="000000"/>
-              </a:buClr>
-              <a:buSzPts val="1800"/>
-              <a:buFont typeface="Arial"/>
-              <a:buNone/>
-            </a:pPr>
-            <a:endParaRPr sz="1800" b="0" i="0" u="none" strike="noStrike" cap="none">
-              <a:solidFill>
-                <a:srgbClr val="FFFFFF"/>
-              </a:solidFill>
-              <a:latin typeface="Calibri"/>
-              <a:ea typeface="Calibri"/>
-              <a:cs typeface="Calibri"/>
-              <a:sym typeface="Calibri"/>
-            </a:endParaRPr>
-          </a:p>
-        </p:txBody>
-      </p:sp>
-      <p:sp>
-        <p:nvSpPr>
-          <p:cNvPr id="106" name="Google Shape;106;p17"/>
+          <p:cNvPr id="84" name="Google Shape;84;p15"/>
           <p:cNvSpPr txBox="1">
             <a:spLocks noGrp="1"/>
           </p:cNvSpPr>
@@ -9281,20 +10169,20 @@
         </p:nvSpPr>
         <p:spPr>
           <a:xfrm>
-            <a:off x="265500" y="1912650"/>
-            <a:ext cx="4045200" cy="1318200"/>
+            <a:off x="2400250" y="575950"/>
+            <a:ext cx="6321600" cy="635400"/>
           </a:xfrm>
           <a:prstGeom prst="rect">
             <a:avLst/>
           </a:prstGeom>
         </p:spPr>
         <p:txBody>
-          <a:bodyPr spcFirstLastPara="1" wrap="square" lIns="91425" tIns="91425" rIns="91425" bIns="91425" anchor="ctr" anchorCtr="0">
+          <a:bodyPr spcFirstLastPara="1" wrap="square" lIns="91425" tIns="91425" rIns="91425" bIns="91425" anchor="t" anchorCtr="0">
             <a:noAutofit/>
           </a:bodyPr>
           <a:lstStyle/>
           <a:p>
-            <a:pPr marL="0" lvl="0" indent="0" algn="ctr" rtl="0">
+            <a:pPr marL="0" lvl="0" indent="0" algn="l" rtl="0">
               <a:spcBef>
                 <a:spcPts val="0"/>
               </a:spcBef>
@@ -9304,80 +10192,51 @@
               <a:buNone/>
             </a:pPr>
             <a:r>
-              <a:rPr lang="en">
-                <a:solidFill>
-                  <a:srgbClr val="85B042"/>
-                </a:solidFill>
-              </a:rPr>
-              <a:t>Next Session</a:t>
+              <a:rPr lang="en"/>
+              <a:t>Factory Method</a:t>
             </a:r>
-            <a:endParaRPr>
-              <a:solidFill>
-                <a:srgbClr val="85B042"/>
-              </a:solidFill>
-            </a:endParaRPr>
+            <a:endParaRPr/>
           </a:p>
         </p:txBody>
       </p:sp>
-      <p:sp>
-        <p:nvSpPr>
-          <p:cNvPr id="107" name="Google Shape;107;p17"/>
-          <p:cNvSpPr txBox="1">
-            <a:spLocks noGrp="1"/>
-          </p:cNvSpPr>
-          <p:nvPr>
-            <p:ph type="body" idx="2"/>
-          </p:nvPr>
-        </p:nvSpPr>
+      <p:pic>
+        <p:nvPicPr>
+          <p:cNvPr id="85" name="Google Shape;85;p15"/>
+          <p:cNvPicPr preferRelativeResize="0"/>
+          <p:nvPr/>
+        </p:nvPicPr>
+        <p:blipFill>
+          <a:blip r:embed="rId3">
+            <a:alphaModFix/>
+          </a:blip>
+          <a:stretch>
+            <a:fillRect/>
+          </a:stretch>
+        </p:blipFill>
         <p:spPr>
           <a:xfrm>
-            <a:off x="4939500" y="724200"/>
-            <a:ext cx="3837000" cy="3695100"/>
+            <a:off x="2496475" y="1211350"/>
+            <a:ext cx="6647525" cy="3190812"/>
           </a:xfrm>
           <a:prstGeom prst="rect">
             <a:avLst/>
           </a:prstGeom>
+          <a:noFill/>
+          <a:ln>
+            <a:noFill/>
+          </a:ln>
         </p:spPr>
-        <p:txBody>
-          <a:bodyPr spcFirstLastPara="1" wrap="square" lIns="91425" tIns="91425" rIns="91425" bIns="91425" anchor="ctr" anchorCtr="0">
-            <a:noAutofit/>
-          </a:bodyPr>
-          <a:lstStyle/>
-          <a:p>
-            <a:pPr marL="457200" lvl="0" indent="0" algn="l" rtl="0">
-              <a:spcBef>
-                <a:spcPts val="0"/>
-              </a:spcBef>
-              <a:spcAft>
-                <a:spcPts val="1600"/>
-              </a:spcAft>
-              <a:buNone/>
-            </a:pPr>
-            <a:r>
-              <a:rPr lang="en" dirty="0"/>
-              <a:t>Let’s talk about…</a:t>
-            </a:r>
-            <a:br>
-              <a:rPr lang="en" dirty="0"/>
-            </a:br>
-            <a:r>
-              <a:rPr lang="en-GB" dirty="0"/>
-              <a:t>Iterator Pattern</a:t>
-            </a:r>
-            <a:endParaRPr dirty="0"/>
-          </a:p>
-        </p:txBody>
-      </p:sp>
+      </p:pic>
       <p:sp>
         <p:nvSpPr>
-          <p:cNvPr id="108" name="Google Shape;108;p17"/>
+          <p:cNvPr id="86" name="Google Shape;86;p15"/>
           <p:cNvSpPr txBox="1"/>
           <p:nvPr/>
         </p:nvSpPr>
         <p:spPr>
           <a:xfrm>
-            <a:off x="5372900" y="2967700"/>
-            <a:ext cx="4262700" cy="497400"/>
+            <a:off x="316775" y="612425"/>
+            <a:ext cx="2037900" cy="4128600"/>
           </a:xfrm>
           <a:prstGeom prst="rect">
             <a:avLst/>
@@ -9403,57 +10262,121 @@
               <a:buNone/>
             </a:pPr>
             <a:r>
-              <a:rPr lang="en" sz="1000">
-                <a:solidFill>
-                  <a:schemeClr val="lt1"/>
-                </a:solidFill>
-                <a:latin typeface="Courier New"/>
-                <a:ea typeface="Courier New"/>
-                <a:cs typeface="Courier New"/>
-                <a:sym typeface="Courier New"/>
+              <a:rPr lang="en" sz="1200">
+                <a:solidFill>
+                  <a:srgbClr val="222222"/>
+                </a:solidFill>
+                <a:highlight>
+                  <a:srgbClr val="FFFFFF"/>
+                </a:highlight>
+                <a:latin typeface="Roboto"/>
+                <a:ea typeface="Roboto"/>
+                <a:cs typeface="Roboto"/>
+                <a:sym typeface="Roboto"/>
               </a:rPr>
-              <a:t>Spektrix.PatternsGroup.Members.ForEach(m =&gt;</a:t>
+              <a:t>The </a:t>
             </a:r>
-            <a:endParaRPr sz="1000">
+            <a:r>
+              <a:rPr lang="en" sz="1200">
+                <a:solidFill>
+                  <a:schemeClr val="dk2"/>
+                </a:solidFill>
+                <a:highlight>
+                  <a:srgbClr val="F8F9FA"/>
+                </a:highlight>
+                <a:latin typeface="Roboto"/>
+                <a:ea typeface="Roboto"/>
+                <a:cs typeface="Roboto"/>
+                <a:sym typeface="Roboto"/>
+              </a:rPr>
+              <a:t>Creator</a:t>
+            </a:r>
+            <a:r>
+              <a:rPr lang="en" sz="1200">
+                <a:solidFill>
+                  <a:srgbClr val="222222"/>
+                </a:solidFill>
+                <a:highlight>
+                  <a:srgbClr val="FFFFFF"/>
+                </a:highlight>
+                <a:latin typeface="Roboto"/>
+                <a:ea typeface="Roboto"/>
+                <a:cs typeface="Roboto"/>
+                <a:sym typeface="Roboto"/>
+              </a:rPr>
+              <a:t> class that requires a </a:t>
+            </a:r>
+            <a:r>
+              <a:rPr lang="en" sz="1200">
+                <a:solidFill>
+                  <a:schemeClr val="dk2"/>
+                </a:solidFill>
+                <a:highlight>
+                  <a:srgbClr val="F8F9FA"/>
+                </a:highlight>
+                <a:latin typeface="Roboto"/>
+                <a:ea typeface="Roboto"/>
+                <a:cs typeface="Roboto"/>
+                <a:sym typeface="Roboto"/>
+              </a:rPr>
+              <a:t>Product</a:t>
+            </a:r>
+            <a:r>
+              <a:rPr lang="en" sz="1200">
+                <a:solidFill>
+                  <a:srgbClr val="222222"/>
+                </a:solidFill>
+                <a:highlight>
+                  <a:srgbClr val="FFFFFF"/>
+                </a:highlight>
+                <a:latin typeface="Roboto"/>
+                <a:ea typeface="Roboto"/>
+                <a:cs typeface="Roboto"/>
+                <a:sym typeface="Roboto"/>
+              </a:rPr>
+              <a:t> object doesn't instantiate the </a:t>
+            </a:r>
+            <a:r>
+              <a:rPr lang="en" sz="1200">
+                <a:solidFill>
+                  <a:schemeClr val="dk2"/>
+                </a:solidFill>
+                <a:highlight>
+                  <a:srgbClr val="F8F9FA"/>
+                </a:highlight>
+                <a:latin typeface="Roboto"/>
+                <a:ea typeface="Roboto"/>
+                <a:cs typeface="Roboto"/>
+                <a:sym typeface="Roboto"/>
+              </a:rPr>
+              <a:t>Product1</a:t>
+            </a:r>
+            <a:r>
+              <a:rPr lang="en" sz="1200">
+                <a:solidFill>
+                  <a:srgbClr val="222222"/>
+                </a:solidFill>
+                <a:highlight>
+                  <a:srgbClr val="FFFFFF"/>
+                </a:highlight>
+                <a:latin typeface="Roboto"/>
+                <a:ea typeface="Roboto"/>
+                <a:cs typeface="Roboto"/>
+                <a:sym typeface="Roboto"/>
+              </a:rPr>
+              <a:t> class directly. </a:t>
+            </a:r>
+            <a:endParaRPr sz="1200">
               <a:solidFill>
-                <a:schemeClr val="lt1"/>
+                <a:srgbClr val="222222"/>
               </a:solidFill>
-              <a:latin typeface="Courier New"/>
-              <a:ea typeface="Courier New"/>
-              <a:cs typeface="Courier New"/>
-              <a:sym typeface="Courier New"/>
-            </a:endParaRPr>
-          </a:p>
-          <a:p>
-            <a:pPr marL="0" lvl="0" indent="457200" algn="l" rtl="0">
-              <a:spcBef>
-                <a:spcPts val="0"/>
-              </a:spcBef>
-              <a:spcAft>
-                <a:spcPts val="0"/>
-              </a:spcAft>
-              <a:buNone/>
-            </a:pPr>
-            <a:r>
-              <a:rPr lang="en" sz="1000">
-                <a:solidFill>
-                  <a:schemeClr val="lt1"/>
-                </a:solidFill>
-                <a:latin typeface="Courier New"/>
-                <a:ea typeface="Courier New"/>
-                <a:cs typeface="Courier New"/>
-                <a:sym typeface="Courier New"/>
-              </a:rPr>
-              <a:t>m.Traverse(patterns)</a:t>
-            </a:r>
-            <a:endParaRPr sz="1000">
-              <a:solidFill>
-                <a:schemeClr val="lt1"/>
-              </a:solidFill>
-              <a:latin typeface="Courier New"/>
-              <a:ea typeface="Courier New"/>
-              <a:cs typeface="Courier New"/>
-              <a:sym typeface="Courier New"/>
+              <a:highlight>
+                <a:srgbClr val="FFFFFF"/>
+              </a:highlight>
+              <a:latin typeface="Roboto"/>
+              <a:ea typeface="Roboto"/>
+              <a:cs typeface="Roboto"/>
+              <a:sym typeface="Roboto"/>
             </a:endParaRPr>
           </a:p>
           <a:p>
@@ -9466,27 +10389,613 @@
               </a:spcAft>
               <a:buNone/>
             </a:pPr>
+            <a:endParaRPr sz="1200">
+              <a:solidFill>
+                <a:srgbClr val="222222"/>
+              </a:solidFill>
+              <a:highlight>
+                <a:srgbClr val="FFFFFF"/>
+              </a:highlight>
+              <a:latin typeface="Roboto"/>
+              <a:ea typeface="Roboto"/>
+              <a:cs typeface="Roboto"/>
+              <a:sym typeface="Roboto"/>
+            </a:endParaRPr>
+          </a:p>
+          <a:p>
+            <a:pPr marL="0" lvl="0" indent="0" algn="l" rtl="0">
+              <a:spcBef>
+                <a:spcPts val="0"/>
+              </a:spcBef>
+              <a:spcAft>
+                <a:spcPts val="0"/>
+              </a:spcAft>
+              <a:buNone/>
+            </a:pPr>
             <a:r>
-              <a:rPr lang="en" sz="1000">
-                <a:solidFill>
-                  <a:schemeClr val="lt1"/>
-                </a:solidFill>
-                <a:latin typeface="Courier New"/>
-                <a:ea typeface="Courier New"/>
-                <a:cs typeface="Courier New"/>
-                <a:sym typeface="Courier New"/>
+              <a:rPr lang="en" sz="1200">
+                <a:solidFill>
+                  <a:srgbClr val="222222"/>
+                </a:solidFill>
+                <a:highlight>
+                  <a:srgbClr val="FFFFFF"/>
+                </a:highlight>
+                <a:latin typeface="Roboto"/>
+                <a:ea typeface="Roboto"/>
+                <a:cs typeface="Roboto"/>
+                <a:sym typeface="Roboto"/>
               </a:rPr>
-              <a:t>)</a:t>
+              <a:t>Instead, the </a:t>
             </a:r>
-            <a:endParaRPr sz="1000">
+            <a:r>
+              <a:rPr lang="en" sz="1200">
+                <a:solidFill>
+                  <a:schemeClr val="dk2"/>
+                </a:solidFill>
+                <a:highlight>
+                  <a:srgbClr val="F8F9FA"/>
+                </a:highlight>
+                <a:latin typeface="Roboto"/>
+                <a:ea typeface="Roboto"/>
+                <a:cs typeface="Roboto"/>
+                <a:sym typeface="Roboto"/>
+              </a:rPr>
+              <a:t>Creator</a:t>
+            </a:r>
+            <a:r>
+              <a:rPr lang="en" sz="1200">
+                <a:solidFill>
+                  <a:srgbClr val="222222"/>
+                </a:solidFill>
+                <a:highlight>
+                  <a:srgbClr val="FFFFFF"/>
+                </a:highlight>
+                <a:latin typeface="Roboto"/>
+                <a:ea typeface="Roboto"/>
+                <a:cs typeface="Roboto"/>
+                <a:sym typeface="Roboto"/>
+              </a:rPr>
+              <a:t> refers to a separate </a:t>
+            </a:r>
+            <a:r>
+              <a:rPr lang="en" sz="1200">
+                <a:solidFill>
+                  <a:schemeClr val="dk2"/>
+                </a:solidFill>
+                <a:highlight>
+                  <a:srgbClr val="F8F9FA"/>
+                </a:highlight>
+                <a:latin typeface="Roboto"/>
+                <a:ea typeface="Roboto"/>
+                <a:cs typeface="Roboto"/>
+                <a:sym typeface="Roboto"/>
+              </a:rPr>
+              <a:t>factoryMethod()</a:t>
+            </a:r>
+            <a:r>
+              <a:rPr lang="en" sz="1200">
+                <a:solidFill>
+                  <a:srgbClr val="222222"/>
+                </a:solidFill>
+                <a:highlight>
+                  <a:srgbClr val="FFFFFF"/>
+                </a:highlight>
+                <a:latin typeface="Roboto"/>
+                <a:ea typeface="Roboto"/>
+                <a:cs typeface="Roboto"/>
+                <a:sym typeface="Roboto"/>
+              </a:rPr>
+              <a:t>to create a product object</a:t>
+            </a:r>
+            <a:endParaRPr sz="1200">
+              <a:latin typeface="Roboto"/>
+              <a:ea typeface="Roboto"/>
+              <a:cs typeface="Roboto"/>
+              <a:sym typeface="Roboto"/>
+            </a:endParaRPr>
+          </a:p>
+        </p:txBody>
+      </p:sp>
+    </p:spTree>
+  </p:cSld>
+  <p:clrMapOvr>
+    <a:masterClrMapping/>
+  </p:clrMapOvr>
+</p:sld>
+</file>
+
+<file path=ppt/slides/slide8.xml><?xml version="1.0" encoding="utf-8"?>
+<p:sld xmlns:a="http://schemas.openxmlformats.org/drawingml/2006/main" xmlns:r="http://schemas.openxmlformats.org/officeDocument/2006/relationships" xmlns:p="http://schemas.openxmlformats.org/presentationml/2006/main">
+  <p:cSld>
+    <p:spTree>
+      <p:nvGrpSpPr>
+        <p:cNvPr id="1" name="Shape 89"/>
+        <p:cNvGrpSpPr/>
+        <p:nvPr/>
+      </p:nvGrpSpPr>
+      <p:grpSpPr>
+        <a:xfrm>
+          <a:off x="0" y="0"/>
+          <a:ext cx="0" cy="0"/>
+          <a:chOff x="0" y="0"/>
+          <a:chExt cx="0" cy="0"/>
+        </a:xfrm>
+      </p:grpSpPr>
+      <p:sp>
+        <p:nvSpPr>
+          <p:cNvPr id="90" name="Google Shape;90;p15"/>
+          <p:cNvSpPr txBox="1">
+            <a:spLocks noGrp="1"/>
+          </p:cNvSpPr>
+          <p:nvPr>
+            <p:ph type="title"/>
+          </p:nvPr>
+        </p:nvSpPr>
+        <p:spPr>
+          <a:xfrm>
+            <a:off x="2400250" y="575950"/>
+            <a:ext cx="6321600" cy="635400"/>
+          </a:xfrm>
+          <a:prstGeom prst="rect">
+            <a:avLst/>
+          </a:prstGeom>
+        </p:spPr>
+        <p:txBody>
+          <a:bodyPr spcFirstLastPara="1" wrap="square" lIns="91425" tIns="91425" rIns="91425" bIns="91425" anchor="t" anchorCtr="0">
+            <a:noAutofit/>
+          </a:bodyPr>
+          <a:lstStyle/>
+          <a:p>
+            <a:pPr marL="0" lvl="0" indent="0" algn="l" rtl="0">
+              <a:spcBef>
+                <a:spcPts val="0"/>
+              </a:spcBef>
+              <a:spcAft>
+                <a:spcPts val="0"/>
+              </a:spcAft>
+              <a:buNone/>
+            </a:pPr>
+            <a:r>
+              <a:rPr lang="en"/>
+              <a:t>Strategy Pattern</a:t>
+            </a:r>
+            <a:endParaRPr/>
+          </a:p>
+        </p:txBody>
+      </p:sp>
+      <p:sp>
+        <p:nvSpPr>
+          <p:cNvPr id="91" name="Google Shape;91;p15"/>
+          <p:cNvSpPr txBox="1"/>
+          <p:nvPr/>
+        </p:nvSpPr>
+        <p:spPr>
+          <a:xfrm>
+            <a:off x="316775" y="612425"/>
+            <a:ext cx="2037900" cy="4128600"/>
+          </a:xfrm>
+          <a:prstGeom prst="rect">
+            <a:avLst/>
+          </a:prstGeom>
+          <a:noFill/>
+          <a:ln>
+            <a:noFill/>
+          </a:ln>
+        </p:spPr>
+        <p:txBody>
+          <a:bodyPr spcFirstLastPara="1" wrap="square" lIns="91425" tIns="91425" rIns="91425" bIns="91425" anchor="t" anchorCtr="0">
+            <a:noAutofit/>
+          </a:bodyPr>
+          <a:lstStyle/>
+          <a:p>
+            <a:pPr marL="0" lvl="0" indent="0" algn="l" rtl="0">
+              <a:spcBef>
+                <a:spcPts val="0"/>
+              </a:spcBef>
+              <a:spcAft>
+                <a:spcPts val="0"/>
+              </a:spcAft>
+              <a:buNone/>
+            </a:pPr>
+            <a:r>
+              <a:rPr lang="en" sz="1200" b="1">
+                <a:solidFill>
+                  <a:srgbClr val="444444"/>
+                </a:solidFill>
+                <a:highlight>
+                  <a:srgbClr val="FFFFFF"/>
+                </a:highlight>
+              </a:rPr>
+              <a:t>“The Strategy Pattern </a:t>
+            </a:r>
+            <a:r>
+              <a:rPr lang="en" sz="1200">
+                <a:solidFill>
+                  <a:srgbClr val="444444"/>
+                </a:solidFill>
+                <a:highlight>
+                  <a:srgbClr val="FFFFFF"/>
+                </a:highlight>
+              </a:rPr>
+              <a:t>defines a family of algorithms, encapsulates each one, and makes them interchangeable. Strategy lets the algorithm vary independently from clients that use it.”</a:t>
+            </a:r>
+            <a:br>
+              <a:rPr lang="en" sz="1200">
+                <a:solidFill>
+                  <a:srgbClr val="222222"/>
+                </a:solidFill>
+                <a:highlight>
+                  <a:srgbClr val="FFFFFF"/>
+                </a:highlight>
+                <a:latin typeface="Roboto"/>
+                <a:ea typeface="Roboto"/>
+                <a:cs typeface="Roboto"/>
+                <a:sym typeface="Roboto"/>
+              </a:rPr>
+            </a:br>
+            <a:br>
+              <a:rPr lang="en" sz="1200">
+                <a:solidFill>
+                  <a:srgbClr val="222222"/>
+                </a:solidFill>
+                <a:highlight>
+                  <a:srgbClr val="FFFFFF"/>
+                </a:highlight>
+                <a:latin typeface="Roboto"/>
+                <a:ea typeface="Roboto"/>
+                <a:cs typeface="Roboto"/>
+                <a:sym typeface="Roboto"/>
+              </a:rPr>
+            </a:br>
+            <a:r>
+              <a:rPr lang="en" sz="1200">
+                <a:solidFill>
+                  <a:srgbClr val="222222"/>
+                </a:solidFill>
+                <a:highlight>
+                  <a:srgbClr val="FFFFFF"/>
+                </a:highlight>
+                <a:latin typeface="Roboto"/>
+                <a:ea typeface="Roboto"/>
+                <a:cs typeface="Roboto"/>
+                <a:sym typeface="Roboto"/>
+              </a:rPr>
+              <a:t>the Context class doesn't implement an algorithm directly. </a:t>
+            </a:r>
+            <a:endParaRPr sz="1200">
               <a:solidFill>
-                <a:schemeClr val="lt1"/>
+                <a:srgbClr val="222222"/>
               </a:solidFill>
-              <a:latin typeface="Courier New"/>
-              <a:ea typeface="Courier New"/>
-              <a:cs typeface="Courier New"/>
-              <a:sym typeface="Courier New"/>
+              <a:highlight>
+                <a:srgbClr val="FFFFFF"/>
+              </a:highlight>
+              <a:latin typeface="Roboto"/>
+              <a:ea typeface="Roboto"/>
+              <a:cs typeface="Roboto"/>
+              <a:sym typeface="Roboto"/>
             </a:endParaRPr>
+          </a:p>
+          <a:p>
+            <a:pPr marL="0" lvl="0" indent="0" algn="l" rtl="0">
+              <a:spcBef>
+                <a:spcPts val="0"/>
+              </a:spcBef>
+              <a:spcAft>
+                <a:spcPts val="0"/>
+              </a:spcAft>
+              <a:buNone/>
+            </a:pPr>
+            <a:endParaRPr sz="1200">
+              <a:solidFill>
+                <a:srgbClr val="222222"/>
+              </a:solidFill>
+              <a:highlight>
+                <a:srgbClr val="FFFFFF"/>
+              </a:highlight>
+              <a:latin typeface="Roboto"/>
+              <a:ea typeface="Roboto"/>
+              <a:cs typeface="Roboto"/>
+              <a:sym typeface="Roboto"/>
+            </a:endParaRPr>
+          </a:p>
+          <a:p>
+            <a:pPr marL="0" lvl="0" indent="0" algn="l" rtl="0">
+              <a:spcBef>
+                <a:spcPts val="0"/>
+              </a:spcBef>
+              <a:spcAft>
+                <a:spcPts val="0"/>
+              </a:spcAft>
+              <a:buNone/>
+            </a:pPr>
+            <a:r>
+              <a:rPr lang="en" sz="1200">
+                <a:solidFill>
+                  <a:srgbClr val="222222"/>
+                </a:solidFill>
+                <a:highlight>
+                  <a:srgbClr val="FFFFFF"/>
+                </a:highlight>
+                <a:latin typeface="Roboto"/>
+                <a:ea typeface="Roboto"/>
+                <a:cs typeface="Roboto"/>
+                <a:sym typeface="Roboto"/>
+              </a:rPr>
+              <a:t>Instead, Context refers to the Strategy interface for performing an algorithm (strategy.algorithm()), which makes Context independent of how an algorithm is implemented.</a:t>
+            </a:r>
+            <a:endParaRPr sz="1200">
+              <a:latin typeface="Roboto"/>
+              <a:ea typeface="Roboto"/>
+              <a:cs typeface="Roboto"/>
+              <a:sym typeface="Roboto"/>
+            </a:endParaRPr>
+          </a:p>
+        </p:txBody>
+      </p:sp>
+      <p:pic>
+        <p:nvPicPr>
+          <p:cNvPr id="92" name="Google Shape;92;p15"/>
+          <p:cNvPicPr preferRelativeResize="0"/>
+          <p:nvPr/>
+        </p:nvPicPr>
+        <p:blipFill>
+          <a:blip r:embed="rId3">
+            <a:alphaModFix/>
+          </a:blip>
+          <a:stretch>
+            <a:fillRect/>
+          </a:stretch>
+        </p:blipFill>
+        <p:spPr>
+          <a:xfrm>
+            <a:off x="3151225" y="1709738"/>
+            <a:ext cx="4819650" cy="2333625"/>
+          </a:xfrm>
+          <a:prstGeom prst="rect">
+            <a:avLst/>
+          </a:prstGeom>
+          <a:noFill/>
+          <a:ln>
+            <a:noFill/>
+          </a:ln>
+        </p:spPr>
+      </p:pic>
+    </p:spTree>
+  </p:cSld>
+  <p:clrMapOvr>
+    <a:masterClrMapping/>
+  </p:clrMapOvr>
+</p:sld>
+</file>
+
+<file path=ppt/slides/slide9.xml><?xml version="1.0" encoding="utf-8"?>
+<p:sld xmlns:a="http://schemas.openxmlformats.org/drawingml/2006/main" xmlns:r="http://schemas.openxmlformats.org/officeDocument/2006/relationships" xmlns:p="http://schemas.openxmlformats.org/presentationml/2006/main">
+  <p:cSld>
+    <p:spTree>
+      <p:nvGrpSpPr>
+        <p:cNvPr id="1" name="Shape 89"/>
+        <p:cNvGrpSpPr/>
+        <p:nvPr/>
+      </p:nvGrpSpPr>
+      <p:grpSpPr>
+        <a:xfrm>
+          <a:off x="0" y="0"/>
+          <a:ext cx="0" cy="0"/>
+          <a:chOff x="0" y="0"/>
+          <a:chExt cx="0" cy="0"/>
+        </a:xfrm>
+      </p:grpSpPr>
+      <p:sp>
+        <p:nvSpPr>
+          <p:cNvPr id="90" name="Google Shape;90;p15"/>
+          <p:cNvSpPr txBox="1">
+            <a:spLocks noGrp="1"/>
+          </p:cNvSpPr>
+          <p:nvPr>
+            <p:ph type="title"/>
+          </p:nvPr>
+        </p:nvSpPr>
+        <p:spPr>
+          <a:xfrm>
+            <a:off x="2400250" y="575950"/>
+            <a:ext cx="6321600" cy="635400"/>
+          </a:xfrm>
+          <a:prstGeom prst="rect">
+            <a:avLst/>
+          </a:prstGeom>
+        </p:spPr>
+        <p:txBody>
+          <a:bodyPr spcFirstLastPara="1" wrap="square" lIns="91425" tIns="91425" rIns="91425" bIns="91425" anchor="t" anchorCtr="0">
+            <a:noAutofit/>
+          </a:bodyPr>
+          <a:lstStyle/>
+          <a:p>
+            <a:pPr marL="0" lvl="0" indent="0" algn="l" rtl="0">
+              <a:spcBef>
+                <a:spcPts val="0"/>
+              </a:spcBef>
+              <a:spcAft>
+                <a:spcPts val="0"/>
+              </a:spcAft>
+              <a:buNone/>
+            </a:pPr>
+            <a:r>
+              <a:rPr lang="en"/>
+              <a:t>Decorator Pattern</a:t>
+            </a:r>
+            <a:endParaRPr/>
+          </a:p>
+        </p:txBody>
+      </p:sp>
+      <p:sp>
+        <p:nvSpPr>
+          <p:cNvPr id="91" name="Google Shape;91;p15"/>
+          <p:cNvSpPr txBox="1"/>
+          <p:nvPr/>
+        </p:nvSpPr>
+        <p:spPr>
+          <a:xfrm>
+            <a:off x="316775" y="612425"/>
+            <a:ext cx="2037900" cy="4128600"/>
+          </a:xfrm>
+          <a:prstGeom prst="rect">
+            <a:avLst/>
+          </a:prstGeom>
+          <a:noFill/>
+          <a:ln>
+            <a:noFill/>
+          </a:ln>
+        </p:spPr>
+        <p:txBody>
+          <a:bodyPr spcFirstLastPara="1" wrap="square" lIns="91425" tIns="91425" rIns="91425" bIns="91425" anchor="t" anchorCtr="0">
+            <a:noAutofit/>
+          </a:bodyPr>
+          <a:lstStyle/>
+          <a:p>
+            <a:pPr marL="0" lvl="0" indent="0" algn="l" rtl="0">
+              <a:spcBef>
+                <a:spcPts val="0"/>
+              </a:spcBef>
+              <a:spcAft>
+                <a:spcPts val="0"/>
+              </a:spcAft>
+              <a:buNone/>
+            </a:pPr>
+            <a:r>
+              <a:rPr lang="en" sz="1200" b="1">
+                <a:solidFill>
+                  <a:srgbClr val="444444"/>
+                </a:solidFill>
+                <a:highlight>
+                  <a:srgbClr val="FFFFFF"/>
+                </a:highlight>
+              </a:rPr>
+              <a:t>“The Decorator Pattern </a:t>
+            </a:r>
+            <a:r>
+              <a:rPr lang="en" sz="1200">
+                <a:solidFill>
+                  <a:srgbClr val="444444"/>
+                </a:solidFill>
+                <a:highlight>
+                  <a:srgbClr val="FFFFFF"/>
+                </a:highlight>
+              </a:rPr>
+              <a:t>attaches additional responsibilities to an object dynamically.  Decorators provide a ﬂexible alternative to subclassing for extending functionality.”</a:t>
+            </a:r>
+            <a:br>
+              <a:rPr lang="en" sz="1200">
+                <a:solidFill>
+                  <a:srgbClr val="222222"/>
+                </a:solidFill>
+                <a:highlight>
+                  <a:srgbClr val="FFFFFF"/>
+                </a:highlight>
+                <a:latin typeface="Roboto"/>
+                <a:ea typeface="Roboto"/>
+                <a:cs typeface="Roboto"/>
+                <a:sym typeface="Roboto"/>
+              </a:rPr>
+            </a:br>
+            <a:br>
+              <a:rPr lang="en" sz="1200">
+                <a:solidFill>
+                  <a:srgbClr val="222222"/>
+                </a:solidFill>
+                <a:highlight>
+                  <a:srgbClr val="FFFFFF"/>
+                </a:highlight>
+                <a:latin typeface="Roboto"/>
+                <a:ea typeface="Roboto"/>
+                <a:cs typeface="Roboto"/>
+                <a:sym typeface="Roboto"/>
+              </a:rPr>
+            </a:br>
+            <a:r>
+              <a:rPr lang="en" sz="1200">
+                <a:solidFill>
+                  <a:srgbClr val="222222"/>
+                </a:solidFill>
+                <a:highlight>
+                  <a:srgbClr val="FFFFFF"/>
+                </a:highlight>
+              </a:rPr>
+              <a:t>This pattern is designed so that multiple decorators can be stacked on top of each other, each time adding a new functionality to the overridden method(s).</a:t>
+            </a:r>
+            <a:endParaRPr sz="1200">
+              <a:latin typeface="Roboto"/>
+              <a:ea typeface="Roboto"/>
+              <a:cs typeface="Roboto"/>
+              <a:sym typeface="Roboto"/>
+            </a:endParaRPr>
+          </a:p>
+        </p:txBody>
+      </p:sp>
+      <p:pic>
+        <p:nvPicPr>
+          <p:cNvPr id="92" name="Google Shape;92;p15"/>
+          <p:cNvPicPr preferRelativeResize="0"/>
+          <p:nvPr/>
+        </p:nvPicPr>
+        <p:blipFill>
+          <a:blip r:embed="rId3">
+            <a:alphaModFix/>
+          </a:blip>
+          <a:stretch>
+            <a:fillRect/>
+          </a:stretch>
+        </p:blipFill>
+        <p:spPr>
+          <a:xfrm>
+            <a:off x="3062125" y="1211350"/>
+            <a:ext cx="5107175" cy="3409700"/>
+          </a:xfrm>
+          <a:prstGeom prst="rect">
+            <a:avLst/>
+          </a:prstGeom>
+          <a:noFill/>
+          <a:ln>
+            <a:noFill/>
+          </a:ln>
+        </p:spPr>
+      </p:pic>
+      <p:sp>
+        <p:nvSpPr>
+          <p:cNvPr id="93" name="Google Shape;93;p15"/>
+          <p:cNvSpPr/>
+          <p:nvPr/>
+        </p:nvSpPr>
+        <p:spPr>
+          <a:xfrm>
+            <a:off x="3056500" y="1184125"/>
+            <a:ext cx="1161900" cy="258900"/>
+          </a:xfrm>
+          <a:prstGeom prst="rect">
+            <a:avLst/>
+          </a:prstGeom>
+          <a:solidFill>
+            <a:schemeClr val="lt1"/>
+          </a:solidFill>
+          <a:ln>
+            <a:noFill/>
+          </a:ln>
+        </p:spPr>
+        <p:txBody>
+          <a:bodyPr spcFirstLastPara="1" wrap="square" lIns="91425" tIns="91425" rIns="91425" bIns="91425" anchor="ctr" anchorCtr="0">
+            <a:noAutofit/>
+          </a:bodyPr>
+          <a:lstStyle/>
+          <a:p>
+            <a:pPr marL="0" lvl="0" indent="0" algn="l" rtl="0">
+              <a:spcBef>
+                <a:spcPts val="0"/>
+              </a:spcBef>
+              <a:spcAft>
+                <a:spcPts val="0"/>
+              </a:spcAft>
+              <a:buNone/>
+            </a:pPr>
+            <a:endParaRPr/>
           </a:p>
         </p:txBody>
       </p:sp>
